--- a/CSPROJ2/Diagrams/PROJMAN.pptx
+++ b/CSPROJ2/Diagrams/PROJMAN.pptx
@@ -7,10 +7,10 @@
     <p:sldMasterId id="2147483653" r:id="rId3"/>
   </p:sldMasterIdLst>
   <p:notesMasterIdLst>
-    <p:notesMasterId r:id="rId23"/>
+    <p:notesMasterId r:id="rId26"/>
   </p:notesMasterIdLst>
   <p:handoutMasterIdLst>
-    <p:handoutMasterId r:id="rId24"/>
+    <p:handoutMasterId r:id="rId27"/>
   </p:handoutMasterIdLst>
   <p:sldIdLst>
     <p:sldId id="256" r:id="rId4"/>
@@ -31,7 +31,10 @@
     <p:sldId id="321" r:id="rId19"/>
     <p:sldId id="323" r:id="rId20"/>
     <p:sldId id="322" r:id="rId21"/>
-    <p:sldId id="272" r:id="rId22"/>
+    <p:sldId id="324" r:id="rId22"/>
+    <p:sldId id="325" r:id="rId23"/>
+    <p:sldId id="326" r:id="rId24"/>
+    <p:sldId id="272" r:id="rId25"/>
   </p:sldIdLst>
   <p:sldSz cx="9144000" cy="5143500" type="screen16x9"/>
   <p:notesSz cx="6858000" cy="9144000"/>
@@ -689,6 +692,174 @@
     </a:lvl9pPr>
   </p:notesStyle>
 </p:notesMaster>
+</file>
+
+<file path=ppt/notesSlides/notesSlide1.xml><?xml version="1.0" encoding="utf-8"?>
+<p:notes xmlns:a="http://schemas.openxmlformats.org/drawingml/2006/main" xmlns:r="http://schemas.openxmlformats.org/officeDocument/2006/relationships" xmlns:p="http://schemas.openxmlformats.org/presentationml/2006/main">
+  <p:cSld>
+    <p:spTree>
+      <p:nvGrpSpPr>
+        <p:cNvPr id="1" name=""/>
+        <p:cNvGrpSpPr/>
+        <p:nvPr/>
+      </p:nvGrpSpPr>
+      <p:grpSpPr>
+        <a:xfrm>
+          <a:off x="0" y="0"/>
+          <a:ext cx="0" cy="0"/>
+          <a:chOff x="0" y="0"/>
+          <a:chExt cx="0" cy="0"/>
+        </a:xfrm>
+      </p:grpSpPr>
+      <p:sp>
+        <p:nvSpPr>
+          <p:cNvPr id="2" name="Slide Image Placeholder 1"/>
+          <p:cNvSpPr>
+            <a:spLocks noGrp="1" noRot="1" noChangeAspect="1"/>
+          </p:cNvSpPr>
+          <p:nvPr>
+            <p:ph type="sldImg"/>
+          </p:nvPr>
+        </p:nvSpPr>
+        <p:spPr/>
+      </p:sp>
+      <p:sp>
+        <p:nvSpPr>
+          <p:cNvPr id="3" name="Notes Placeholder 2"/>
+          <p:cNvSpPr>
+            <a:spLocks noGrp="1"/>
+          </p:cNvSpPr>
+          <p:nvPr>
+            <p:ph type="body" idx="1"/>
+          </p:nvPr>
+        </p:nvSpPr>
+        <p:spPr/>
+        <p:txBody>
+          <a:bodyPr/>
+          <a:lstStyle/>
+          <a:p>
+            <a:endParaRPr lang="en-PH" dirty="0"/>
+          </a:p>
+        </p:txBody>
+      </p:sp>
+      <p:sp>
+        <p:nvSpPr>
+          <p:cNvPr id="4" name="Slide Number Placeholder 3"/>
+          <p:cNvSpPr>
+            <a:spLocks noGrp="1"/>
+          </p:cNvSpPr>
+          <p:nvPr>
+            <p:ph type="sldNum" sz="quarter" idx="10"/>
+          </p:nvPr>
+        </p:nvSpPr>
+        <p:spPr/>
+        <p:txBody>
+          <a:bodyPr/>
+          <a:lstStyle/>
+          <a:p>
+            <a:fld id="{22789A33-A361-4541-B6A7-456994CC0C02}" type="slidenum">
+              <a:rPr lang="ko-KR" altLang="en-US" smtClean="0"/>
+              <a:t>20</a:t>
+            </a:fld>
+            <a:endParaRPr lang="ko-KR" altLang="en-US"/>
+          </a:p>
+        </p:txBody>
+      </p:sp>
+    </p:spTree>
+    <p:extLst>
+      <p:ext uri="{BB962C8B-B14F-4D97-AF65-F5344CB8AC3E}">
+        <p14:creationId xmlns:p14="http://schemas.microsoft.com/office/powerpoint/2010/main" val="1170926836"/>
+      </p:ext>
+    </p:extLst>
+  </p:cSld>
+  <p:clrMapOvr>
+    <a:masterClrMapping/>
+  </p:clrMapOvr>
+</p:notes>
+</file>
+
+<file path=ppt/notesSlides/notesSlide2.xml><?xml version="1.0" encoding="utf-8"?>
+<p:notes xmlns:a="http://schemas.openxmlformats.org/drawingml/2006/main" xmlns:r="http://schemas.openxmlformats.org/officeDocument/2006/relationships" xmlns:p="http://schemas.openxmlformats.org/presentationml/2006/main">
+  <p:cSld>
+    <p:spTree>
+      <p:nvGrpSpPr>
+        <p:cNvPr id="1" name=""/>
+        <p:cNvGrpSpPr/>
+        <p:nvPr/>
+      </p:nvGrpSpPr>
+      <p:grpSpPr>
+        <a:xfrm>
+          <a:off x="0" y="0"/>
+          <a:ext cx="0" cy="0"/>
+          <a:chOff x="0" y="0"/>
+          <a:chExt cx="0" cy="0"/>
+        </a:xfrm>
+      </p:grpSpPr>
+      <p:sp>
+        <p:nvSpPr>
+          <p:cNvPr id="2" name="Slide Image Placeholder 1"/>
+          <p:cNvSpPr>
+            <a:spLocks noGrp="1" noRot="1" noChangeAspect="1"/>
+          </p:cNvSpPr>
+          <p:nvPr>
+            <p:ph type="sldImg"/>
+          </p:nvPr>
+        </p:nvSpPr>
+        <p:spPr/>
+      </p:sp>
+      <p:sp>
+        <p:nvSpPr>
+          <p:cNvPr id="3" name="Notes Placeholder 2"/>
+          <p:cNvSpPr>
+            <a:spLocks noGrp="1"/>
+          </p:cNvSpPr>
+          <p:nvPr>
+            <p:ph type="body" idx="1"/>
+          </p:nvPr>
+        </p:nvSpPr>
+        <p:spPr/>
+        <p:txBody>
+          <a:bodyPr/>
+          <a:lstStyle/>
+          <a:p>
+            <a:endParaRPr lang="en-PH" dirty="0"/>
+          </a:p>
+        </p:txBody>
+      </p:sp>
+      <p:sp>
+        <p:nvSpPr>
+          <p:cNvPr id="4" name="Slide Number Placeholder 3"/>
+          <p:cNvSpPr>
+            <a:spLocks noGrp="1"/>
+          </p:cNvSpPr>
+          <p:nvPr>
+            <p:ph type="sldNum" sz="quarter" idx="10"/>
+          </p:nvPr>
+        </p:nvSpPr>
+        <p:spPr/>
+        <p:txBody>
+          <a:bodyPr/>
+          <a:lstStyle/>
+          <a:p>
+            <a:fld id="{22789A33-A361-4541-B6A7-456994CC0C02}" type="slidenum">
+              <a:rPr lang="ko-KR" altLang="en-US" smtClean="0"/>
+              <a:t>21</a:t>
+            </a:fld>
+            <a:endParaRPr lang="ko-KR" altLang="en-US"/>
+          </a:p>
+        </p:txBody>
+      </p:sp>
+    </p:spTree>
+    <p:extLst>
+      <p:ext uri="{BB962C8B-B14F-4D97-AF65-F5344CB8AC3E}">
+        <p14:creationId xmlns:p14="http://schemas.microsoft.com/office/powerpoint/2010/main" val="1188529105"/>
+      </p:ext>
+    </p:extLst>
+  </p:cSld>
+  <p:clrMapOvr>
+    <a:masterClrMapping/>
+  </p:clrMapOvr>
+</p:notes>
 </file>
 
 <file path=ppt/slideLayouts/slideLayout1.xml><?xml version="1.0" encoding="utf-8"?>
@@ -11431,16 +11602,261 @@
           <a:p>
             <a:r>
               <a:rPr lang="en-US" altLang="ko-KR" dirty="0"/>
-              <a:t>Thank you</a:t>
+              <a:t>Web Extension</a:t>
             </a:r>
-            <a:endParaRPr lang="ko-KR" altLang="en-US" dirty="0"/>
+          </a:p>
+        </p:txBody>
+      </p:sp>
+      <p:sp>
+        <p:nvSpPr>
+          <p:cNvPr id="4" name="Freeform 3"/>
+          <p:cNvSpPr/>
+          <p:nvPr/>
+        </p:nvSpPr>
+        <p:spPr>
+          <a:xfrm>
+            <a:off x="1926754" y="2283718"/>
+            <a:ext cx="713769" cy="576064"/>
+          </a:xfrm>
+          <a:custGeom>
+            <a:avLst/>
+            <a:gdLst/>
+            <a:ahLst/>
+            <a:cxnLst/>
+            <a:rect l="l" t="t" r="r" b="b"/>
+            <a:pathLst>
+              <a:path w="3307788" h="2669631">
+                <a:moveTo>
+                  <a:pt x="2793832" y="1478391"/>
+                </a:moveTo>
+                <a:cubicBezTo>
+                  <a:pt x="2772990" y="1635402"/>
+                  <a:pt x="2717678" y="1784517"/>
+                  <a:pt x="2633007" y="1915952"/>
+                </a:cubicBezTo>
+                <a:cubicBezTo>
+                  <a:pt x="2695386" y="1951862"/>
+                  <a:pt x="2772768" y="1955673"/>
+                  <a:pt x="2841607" y="1924185"/>
+                </a:cubicBezTo>
+                <a:cubicBezTo>
+                  <a:pt x="2943442" y="1877605"/>
+                  <a:pt x="2999062" y="1766364"/>
+                  <a:pt x="2975226" y="1656948"/>
+                </a:cubicBezTo>
+                <a:cubicBezTo>
+                  <a:pt x="2955176" y="1564911"/>
+                  <a:pt x="2883463" y="1495086"/>
+                  <a:pt x="2793832" y="1478391"/>
+                </a:cubicBezTo>
+                <a:close/>
+                <a:moveTo>
+                  <a:pt x="2807611" y="1247700"/>
+                </a:moveTo>
+                <a:lnTo>
+                  <a:pt x="2807472" y="1256060"/>
+                </a:lnTo>
+                <a:cubicBezTo>
+                  <a:pt x="2994195" y="1281771"/>
+                  <a:pt x="3148201" y="1421768"/>
+                  <a:pt x="3189276" y="1610317"/>
+                </a:cubicBezTo>
+                <a:cubicBezTo>
+                  <a:pt x="3235041" y="1820393"/>
+                  <a:pt x="3128252" y="2033972"/>
+                  <a:pt x="2932732" y="2123406"/>
+                </a:cubicBezTo>
+                <a:cubicBezTo>
+                  <a:pt x="2789297" y="2189015"/>
+                  <a:pt x="2626543" y="2174805"/>
+                  <a:pt x="2499470" y="2094044"/>
+                </a:cubicBezTo>
+                <a:cubicBezTo>
+                  <a:pt x="2427194" y="2172627"/>
+                  <a:pt x="2343030" y="2241391"/>
+                  <a:pt x="2248861" y="2297980"/>
+                </a:cubicBezTo>
+                <a:cubicBezTo>
+                  <a:pt x="2178351" y="2340352"/>
+                  <a:pt x="2104446" y="2374567"/>
+                  <a:pt x="2027600" y="2398134"/>
+                </a:cubicBezTo>
+                <a:lnTo>
+                  <a:pt x="3307788" y="2397615"/>
+                </a:lnTo>
+                <a:cubicBezTo>
+                  <a:pt x="3265361" y="2549905"/>
+                  <a:pt x="2537441" y="2669620"/>
+                  <a:pt x="1653814" y="2669631"/>
+                </a:cubicBezTo>
+                <a:cubicBezTo>
+                  <a:pt x="773102" y="2669642"/>
+                  <a:pt x="46417" y="2550707"/>
+                  <a:pt x="0" y="2398955"/>
+                </a:cubicBezTo>
+                <a:lnTo>
+                  <a:pt x="1280678" y="2398436"/>
+                </a:lnTo>
+                <a:cubicBezTo>
+                  <a:pt x="1203764" y="2374915"/>
+                  <a:pt x="1129786" y="2340732"/>
+                  <a:pt x="1059201" y="2298380"/>
+                </a:cubicBezTo>
+                <a:cubicBezTo>
+                  <a:pt x="693039" y="2078675"/>
+                  <a:pt x="477900" y="1674935"/>
+                  <a:pt x="499745" y="1248476"/>
+                </a:cubicBezTo>
+                <a:close/>
+                <a:moveTo>
+                  <a:pt x="1331611" y="201752"/>
+                </a:moveTo>
+                <a:cubicBezTo>
+                  <a:pt x="1206335" y="290902"/>
+                  <a:pt x="1124761" y="308382"/>
+                  <a:pt x="1132336" y="435988"/>
+                </a:cubicBezTo>
+                <a:cubicBezTo>
+                  <a:pt x="1160888" y="640507"/>
+                  <a:pt x="1527973" y="617783"/>
+                  <a:pt x="1498839" y="840365"/>
+                </a:cubicBezTo>
+                <a:cubicBezTo>
+                  <a:pt x="1455138" y="960979"/>
+                  <a:pt x="1395705" y="987199"/>
+                  <a:pt x="1213910" y="1052459"/>
+                </a:cubicBezTo>
+                <a:cubicBezTo>
+                  <a:pt x="1331028" y="972050"/>
+                  <a:pt x="1364241" y="921357"/>
+                  <a:pt x="1360745" y="809484"/>
+                </a:cubicBezTo>
+                <a:cubicBezTo>
+                  <a:pt x="1360746" y="646916"/>
+                  <a:pt x="1111360" y="626523"/>
+                  <a:pt x="1020462" y="495421"/>
+                </a:cubicBezTo>
+                <a:cubicBezTo>
+                  <a:pt x="941218" y="374224"/>
+                  <a:pt x="1061250" y="280996"/>
+                  <a:pt x="1331611" y="201752"/>
+                </a:cubicBezTo>
+                <a:close/>
+                <a:moveTo>
+                  <a:pt x="2164365" y="80223"/>
+                </a:moveTo>
+                <a:cubicBezTo>
+                  <a:pt x="2021192" y="182108"/>
+                  <a:pt x="1927964" y="202086"/>
+                  <a:pt x="1936621" y="347922"/>
+                </a:cubicBezTo>
+                <a:cubicBezTo>
+                  <a:pt x="1969252" y="581657"/>
+                  <a:pt x="2388778" y="555687"/>
+                  <a:pt x="2355482" y="810066"/>
+                </a:cubicBezTo>
+                <a:cubicBezTo>
+                  <a:pt x="2305538" y="947910"/>
+                  <a:pt x="2237615" y="977876"/>
+                  <a:pt x="2029849" y="1052459"/>
+                </a:cubicBezTo>
+                <a:cubicBezTo>
+                  <a:pt x="2163698" y="960563"/>
+                  <a:pt x="2201656" y="902628"/>
+                  <a:pt x="2197660" y="774773"/>
+                </a:cubicBezTo>
+                <a:cubicBezTo>
+                  <a:pt x="2197661" y="588982"/>
+                  <a:pt x="1912649" y="565676"/>
+                  <a:pt x="1808765" y="415844"/>
+                </a:cubicBezTo>
+                <a:cubicBezTo>
+                  <a:pt x="1718201" y="277334"/>
+                  <a:pt x="1855380" y="170787"/>
+                  <a:pt x="2164365" y="80223"/>
+                </a:cubicBezTo>
+                <a:close/>
+                <a:moveTo>
+                  <a:pt x="1754169" y="0"/>
+                </a:moveTo>
+                <a:cubicBezTo>
+                  <a:pt x="1583512" y="121444"/>
+                  <a:pt x="1472387" y="145257"/>
+                  <a:pt x="1482706" y="319088"/>
+                </a:cubicBezTo>
+                <a:cubicBezTo>
+                  <a:pt x="1521601" y="597693"/>
+                  <a:pt x="2021663" y="566738"/>
+                  <a:pt x="1981975" y="869950"/>
+                </a:cubicBezTo>
+                <a:cubicBezTo>
+                  <a:pt x="1922443" y="1034256"/>
+                  <a:pt x="1841481" y="1069974"/>
+                  <a:pt x="1593831" y="1158875"/>
+                </a:cubicBezTo>
+                <a:cubicBezTo>
+                  <a:pt x="1753374" y="1049338"/>
+                  <a:pt x="1798619" y="980281"/>
+                  <a:pt x="1793856" y="827882"/>
+                </a:cubicBezTo>
+                <a:cubicBezTo>
+                  <a:pt x="1793857" y="606424"/>
+                  <a:pt x="1454132" y="578644"/>
+                  <a:pt x="1330306" y="400050"/>
+                </a:cubicBezTo>
+                <a:cubicBezTo>
+                  <a:pt x="1222356" y="234950"/>
+                  <a:pt x="1385869" y="107950"/>
+                  <a:pt x="1754169" y="0"/>
+                </a:cubicBezTo>
+                <a:close/>
+              </a:path>
+            </a:pathLst>
+          </a:custGeom>
+          <a:solidFill>
+            <a:schemeClr val="tx1">
+              <a:lumMod val="75000"/>
+              <a:lumOff val="25000"/>
+            </a:schemeClr>
+          </a:solidFill>
+          <a:ln>
+            <a:noFill/>
+          </a:ln>
+        </p:spPr>
+        <p:style>
+          <a:lnRef idx="2">
+            <a:schemeClr val="accent1">
+              <a:shade val="50000"/>
+            </a:schemeClr>
+          </a:lnRef>
+          <a:fillRef idx="1">
+            <a:schemeClr val="accent1"/>
+          </a:fillRef>
+          <a:effectRef idx="0">
+            <a:schemeClr val="accent1"/>
+          </a:effectRef>
+          <a:fontRef idx="minor">
+            <a:schemeClr val="lt1"/>
+          </a:fontRef>
+        </p:style>
+        <p:txBody>
+          <a:bodyPr rot="0" spcFirstLastPara="0" vertOverflow="overflow" horzOverflow="overflow" vert="horz" wrap="square" lIns="91440" tIns="45720" rIns="91440" bIns="45720" numCol="1" spcCol="0" rtlCol="0" fromWordArt="0" anchor="ctr" anchorCtr="0" forceAA="0" compatLnSpc="1">
+            <a:prstTxWarp prst="textNoShape">
+              <a:avLst/>
+            </a:prstTxWarp>
+            <a:noAutofit/>
+          </a:bodyPr>
+          <a:lstStyle/>
+          <a:p>
+            <a:pPr algn="ctr"/>
+            <a:endParaRPr lang="ko-KR" altLang="en-US"/>
           </a:p>
         </p:txBody>
       </p:sp>
     </p:spTree>
     <p:extLst>
       <p:ext uri="{BB962C8B-B14F-4D97-AF65-F5344CB8AC3E}">
-        <p14:creationId xmlns:p14="http://schemas.microsoft.com/office/powerpoint/2010/main" val="1663840748"/>
+        <p14:creationId xmlns:p14="http://schemas.microsoft.com/office/powerpoint/2010/main" val="2920916647"/>
       </p:ext>
     </p:extLst>
   </p:cSld>
@@ -11815,6 +12231,316 @@
     <p:extLst>
       <p:ext uri="{BB962C8B-B14F-4D97-AF65-F5344CB8AC3E}">
         <p14:creationId xmlns:p14="http://schemas.microsoft.com/office/powerpoint/2010/main" val="3101234267"/>
+      </p:ext>
+    </p:extLst>
+  </p:cSld>
+  <p:clrMapOvr>
+    <a:masterClrMapping/>
+  </p:clrMapOvr>
+</p:sld>
+</file>
+
+<file path=ppt/slides/slide20.xml><?xml version="1.0" encoding="utf-8"?>
+<p:sld xmlns:a="http://schemas.openxmlformats.org/drawingml/2006/main" xmlns:r="http://schemas.openxmlformats.org/officeDocument/2006/relationships" xmlns:p="http://schemas.openxmlformats.org/presentationml/2006/main">
+  <p:cSld>
+    <p:spTree>
+      <p:nvGrpSpPr>
+        <p:cNvPr id="1" name=""/>
+        <p:cNvGrpSpPr/>
+        <p:nvPr/>
+      </p:nvGrpSpPr>
+      <p:grpSpPr>
+        <a:xfrm>
+          <a:off x="0" y="0"/>
+          <a:ext cx="0" cy="0"/>
+          <a:chOff x="0" y="0"/>
+          <a:chExt cx="0" cy="0"/>
+        </a:xfrm>
+      </p:grpSpPr>
+      <p:sp>
+        <p:nvSpPr>
+          <p:cNvPr id="2" name="Text Placeholder 1">
+            <a:extLst>
+              <a:ext uri="{FF2B5EF4-FFF2-40B4-BE49-F238E27FC236}">
+                <a16:creationId xmlns:a16="http://schemas.microsoft.com/office/drawing/2014/main" id="{723EDC71-C7A0-4660-A4E3-847053B128D9}"/>
+              </a:ext>
+            </a:extLst>
+          </p:cNvPr>
+          <p:cNvSpPr>
+            <a:spLocks noGrp="1"/>
+          </p:cNvSpPr>
+          <p:nvPr>
+            <p:ph type="body" sz="quarter" idx="10"/>
+          </p:nvPr>
+        </p:nvSpPr>
+        <p:spPr/>
+        <p:txBody>
+          <a:bodyPr/>
+          <a:lstStyle/>
+          <a:p>
+            <a:r>
+              <a:rPr lang="en-US" altLang="ko-KR" dirty="0"/>
+              <a:t>Web Extension</a:t>
+            </a:r>
+          </a:p>
+        </p:txBody>
+      </p:sp>
+      <p:pic>
+        <p:nvPicPr>
+          <p:cNvPr id="1026" name="Picture 2" descr="m8eluf.png">
+            <a:extLst>
+              <a:ext uri="{FF2B5EF4-FFF2-40B4-BE49-F238E27FC236}">
+                <a16:creationId xmlns:a16="http://schemas.microsoft.com/office/drawing/2014/main" id="{03009834-79BC-488A-8AFF-09BEB44650B4}"/>
+              </a:ext>
+            </a:extLst>
+          </p:cNvPr>
+          <p:cNvPicPr>
+            <a:picLocks noChangeAspect="1" noChangeArrowheads="1"/>
+          </p:cNvPicPr>
+          <p:nvPr/>
+        </p:nvPicPr>
+        <p:blipFill>
+          <a:blip r:embed="rId3">
+            <a:extLst>
+              <a:ext uri="{28A0092B-C50C-407E-A947-70E740481C1C}">
+                <a14:useLocalDpi xmlns:a14="http://schemas.microsoft.com/office/drawing/2010/main" val="0"/>
+              </a:ext>
+            </a:extLst>
+          </a:blip>
+          <a:srcRect/>
+          <a:stretch>
+            <a:fillRect/>
+          </a:stretch>
+        </p:blipFill>
+        <p:spPr bwMode="auto">
+          <a:xfrm>
+            <a:off x="0" y="1104900"/>
+            <a:ext cx="9144000" cy="3195042"/>
+          </a:xfrm>
+          <a:prstGeom prst="rect">
+            <a:avLst/>
+          </a:prstGeom>
+          <a:noFill/>
+          <a:extLst>
+            <a:ext uri="{909E8E84-426E-40DD-AFC4-6F175D3DCCD1}">
+              <a14:hiddenFill xmlns:a14="http://schemas.microsoft.com/office/drawing/2010/main">
+                <a:solidFill>
+                  <a:srgbClr val="FFFFFF"/>
+                </a:solidFill>
+              </a14:hiddenFill>
+            </a:ext>
+          </a:extLst>
+        </p:spPr>
+      </p:pic>
+      <p:pic>
+        <p:nvPicPr>
+          <p:cNvPr id="1028" name="Picture 4" descr="m8eluf.png">
+            <a:extLst>
+              <a:ext uri="{FF2B5EF4-FFF2-40B4-BE49-F238E27FC236}">
+                <a16:creationId xmlns:a16="http://schemas.microsoft.com/office/drawing/2014/main" id="{5C274907-8443-4DB2-BAFA-D94DA5A80C20}"/>
+              </a:ext>
+            </a:extLst>
+          </p:cNvPr>
+          <p:cNvPicPr>
+            <a:picLocks noChangeAspect="1" noChangeArrowheads="1"/>
+          </p:cNvPicPr>
+          <p:nvPr/>
+        </p:nvPicPr>
+        <p:blipFill>
+          <a:blip r:embed="rId3">
+            <a:extLst>
+              <a:ext uri="{28A0092B-C50C-407E-A947-70E740481C1C}">
+                <a14:useLocalDpi xmlns:a14="http://schemas.microsoft.com/office/drawing/2010/main" val="0"/>
+              </a:ext>
+            </a:extLst>
+          </a:blip>
+          <a:srcRect/>
+          <a:stretch>
+            <a:fillRect/>
+          </a:stretch>
+        </p:blipFill>
+        <p:spPr bwMode="auto">
+          <a:xfrm>
+            <a:off x="0" y="1151805"/>
+            <a:ext cx="9144000" cy="2932113"/>
+          </a:xfrm>
+          <a:prstGeom prst="rect">
+            <a:avLst/>
+          </a:prstGeom>
+          <a:noFill/>
+          <a:extLst>
+            <a:ext uri="{909E8E84-426E-40DD-AFC4-6F175D3DCCD1}">
+              <a14:hiddenFill xmlns:a14="http://schemas.microsoft.com/office/drawing/2010/main">
+                <a:solidFill>
+                  <a:srgbClr val="FFFFFF"/>
+                </a:solidFill>
+              </a14:hiddenFill>
+            </a:ext>
+          </a:extLst>
+        </p:spPr>
+      </p:pic>
+    </p:spTree>
+    <p:extLst>
+      <p:ext uri="{BB962C8B-B14F-4D97-AF65-F5344CB8AC3E}">
+        <p14:creationId xmlns:p14="http://schemas.microsoft.com/office/powerpoint/2010/main" val="2097706692"/>
+      </p:ext>
+    </p:extLst>
+  </p:cSld>
+  <p:clrMapOvr>
+    <a:masterClrMapping/>
+  </p:clrMapOvr>
+</p:sld>
+</file>
+
+<file path=ppt/slides/slide21.xml><?xml version="1.0" encoding="utf-8"?>
+<p:sld xmlns:a="http://schemas.openxmlformats.org/drawingml/2006/main" xmlns:r="http://schemas.openxmlformats.org/officeDocument/2006/relationships" xmlns:p="http://schemas.openxmlformats.org/presentationml/2006/main">
+  <p:cSld>
+    <p:spTree>
+      <p:nvGrpSpPr>
+        <p:cNvPr id="1" name=""/>
+        <p:cNvGrpSpPr/>
+        <p:nvPr/>
+      </p:nvGrpSpPr>
+      <p:grpSpPr>
+        <a:xfrm>
+          <a:off x="0" y="0"/>
+          <a:ext cx="0" cy="0"/>
+          <a:chOff x="0" y="0"/>
+          <a:chExt cx="0" cy="0"/>
+        </a:xfrm>
+      </p:grpSpPr>
+      <p:sp>
+        <p:nvSpPr>
+          <p:cNvPr id="2" name="Text Placeholder 1">
+            <a:extLst>
+              <a:ext uri="{FF2B5EF4-FFF2-40B4-BE49-F238E27FC236}">
+                <a16:creationId xmlns:a16="http://schemas.microsoft.com/office/drawing/2014/main" id="{723EDC71-C7A0-4660-A4E3-847053B128D9}"/>
+              </a:ext>
+            </a:extLst>
+          </p:cNvPr>
+          <p:cNvSpPr>
+            <a:spLocks noGrp="1"/>
+          </p:cNvSpPr>
+          <p:nvPr>
+            <p:ph type="body" sz="quarter" idx="10"/>
+          </p:nvPr>
+        </p:nvSpPr>
+        <p:spPr/>
+        <p:txBody>
+          <a:bodyPr/>
+          <a:lstStyle/>
+          <a:p>
+            <a:r>
+              <a:rPr lang="en-US" altLang="ko-KR" dirty="0"/>
+              <a:t>Web Extension</a:t>
+            </a:r>
+          </a:p>
+        </p:txBody>
+      </p:sp>
+      <p:pic>
+        <p:nvPicPr>
+          <p:cNvPr id="2050" name="Picture 2" descr="wipzcg.jpg">
+            <a:extLst>
+              <a:ext uri="{FF2B5EF4-FFF2-40B4-BE49-F238E27FC236}">
+                <a16:creationId xmlns:a16="http://schemas.microsoft.com/office/drawing/2014/main" id="{1EAE5A25-DFB0-43BE-AB76-0D8E3FD99379}"/>
+              </a:ext>
+            </a:extLst>
+          </p:cNvPr>
+          <p:cNvPicPr>
+            <a:picLocks noChangeAspect="1" noChangeArrowheads="1"/>
+          </p:cNvPicPr>
+          <p:nvPr/>
+        </p:nvPicPr>
+        <p:blipFill>
+          <a:blip r:embed="rId3">
+            <a:extLst>
+              <a:ext uri="{28A0092B-C50C-407E-A947-70E740481C1C}">
+                <a14:useLocalDpi xmlns:a14="http://schemas.microsoft.com/office/drawing/2010/main" val="0"/>
+              </a:ext>
+            </a:extLst>
+          </a:blip>
+          <a:srcRect/>
+          <a:stretch>
+            <a:fillRect/>
+          </a:stretch>
+        </p:blipFill>
+        <p:spPr bwMode="auto">
+          <a:xfrm>
+            <a:off x="21162" y="798133"/>
+            <a:ext cx="9144000" cy="4345367"/>
+          </a:xfrm>
+          <a:prstGeom prst="rect">
+            <a:avLst/>
+          </a:prstGeom>
+          <a:noFill/>
+          <a:extLst>
+            <a:ext uri="{909E8E84-426E-40DD-AFC4-6F175D3DCCD1}">
+              <a14:hiddenFill xmlns:a14="http://schemas.microsoft.com/office/drawing/2010/main">
+                <a:solidFill>
+                  <a:srgbClr val="FFFFFF"/>
+                </a:solidFill>
+              </a14:hiddenFill>
+            </a:ext>
+          </a:extLst>
+        </p:spPr>
+      </p:pic>
+    </p:spTree>
+    <p:extLst>
+      <p:ext uri="{BB962C8B-B14F-4D97-AF65-F5344CB8AC3E}">
+        <p14:creationId xmlns:p14="http://schemas.microsoft.com/office/powerpoint/2010/main" val="4122707261"/>
+      </p:ext>
+    </p:extLst>
+  </p:cSld>
+  <p:clrMapOvr>
+    <a:masterClrMapping/>
+  </p:clrMapOvr>
+</p:sld>
+</file>
+
+<file path=ppt/slides/slide22.xml><?xml version="1.0" encoding="utf-8"?>
+<p:sld xmlns:a="http://schemas.openxmlformats.org/drawingml/2006/main" xmlns:r="http://schemas.openxmlformats.org/officeDocument/2006/relationships" xmlns:p="http://schemas.openxmlformats.org/presentationml/2006/main">
+  <p:cSld>
+    <p:spTree>
+      <p:nvGrpSpPr>
+        <p:cNvPr id="1" name=""/>
+        <p:cNvGrpSpPr/>
+        <p:nvPr/>
+      </p:nvGrpSpPr>
+      <p:grpSpPr>
+        <a:xfrm>
+          <a:off x="0" y="0"/>
+          <a:ext cx="0" cy="0"/>
+          <a:chOff x="0" y="0"/>
+          <a:chExt cx="0" cy="0"/>
+        </a:xfrm>
+      </p:grpSpPr>
+      <p:sp>
+        <p:nvSpPr>
+          <p:cNvPr id="2" name="Text Placeholder 1"/>
+          <p:cNvSpPr>
+            <a:spLocks noGrp="1"/>
+          </p:cNvSpPr>
+          <p:nvPr>
+            <p:ph type="body" sz="quarter" idx="10"/>
+          </p:nvPr>
+        </p:nvSpPr>
+        <p:spPr/>
+        <p:txBody>
+          <a:bodyPr/>
+          <a:lstStyle/>
+          <a:p>
+            <a:r>
+              <a:rPr lang="en-US" altLang="ko-KR" dirty="0"/>
+              <a:t>Thank you</a:t>
+            </a:r>
+            <a:endParaRPr lang="ko-KR" altLang="en-US" dirty="0"/>
+          </a:p>
+        </p:txBody>
+      </p:sp>
+    </p:spTree>
+    <p:extLst>
+      <p:ext uri="{BB962C8B-B14F-4D97-AF65-F5344CB8AC3E}">
+        <p14:creationId xmlns:p14="http://schemas.microsoft.com/office/powerpoint/2010/main" val="1663840748"/>
       </p:ext>
     </p:extLst>
   </p:cSld>
@@ -13668,7 +14394,7 @@
                 <a:latin typeface="Karla" panose="020B0604020202020204" charset="0"/>
                 <a:ea typeface="Karla" panose="020B0604020202020204" charset="0"/>
               </a:rPr>
-              <a:t>The project</a:t>
+              <a:t>The project may not finish on time</a:t>
             </a:r>
           </a:p>
         </p:txBody>

--- a/CSPROJ2/Diagrams/PROJMAN.pptx
+++ b/CSPROJ2/Diagrams/PROJMAN.pptx
@@ -10448,53 +10448,6 @@
           <a:chExt cx="0" cy="0"/>
         </a:xfrm>
       </p:grpSpPr>
-      <p:pic>
-        <p:nvPicPr>
-          <p:cNvPr id="4100" name="Picture 4" descr="a2c0nl.jpg">
-            <a:extLst>
-              <a:ext uri="{FF2B5EF4-FFF2-40B4-BE49-F238E27FC236}">
-                <a16:creationId xmlns:a16="http://schemas.microsoft.com/office/drawing/2014/main" id="{A7EE239F-E692-4A09-85EC-558CD1E4EDCE}"/>
-              </a:ext>
-            </a:extLst>
-          </p:cNvPr>
-          <p:cNvPicPr>
-            <a:picLocks noChangeAspect="1" noChangeArrowheads="1"/>
-          </p:cNvPicPr>
-          <p:nvPr/>
-        </p:nvPicPr>
-        <p:blipFill>
-          <a:blip r:embed="rId2">
-            <a:extLst>
-              <a:ext uri="{28A0092B-C50C-407E-A947-70E740481C1C}">
-                <a14:useLocalDpi xmlns:a14="http://schemas.microsoft.com/office/drawing/2010/main" val="0"/>
-              </a:ext>
-            </a:extLst>
-          </a:blip>
-          <a:srcRect/>
-          <a:stretch>
-            <a:fillRect/>
-          </a:stretch>
-        </p:blipFill>
-        <p:spPr bwMode="auto">
-          <a:xfrm>
-            <a:off x="467544" y="1563638"/>
-            <a:ext cx="3838575" cy="3209925"/>
-          </a:xfrm>
-          <a:prstGeom prst="rect">
-            <a:avLst/>
-          </a:prstGeom>
-          <a:noFill/>
-          <a:extLst>
-            <a:ext uri="{909E8E84-426E-40DD-AFC4-6F175D3DCCD1}">
-              <a14:hiddenFill xmlns:a14="http://schemas.microsoft.com/office/drawing/2010/main">
-                <a:solidFill>
-                  <a:srgbClr val="FFFFFF"/>
-                </a:solidFill>
-              </a14:hiddenFill>
-            </a:ext>
-          </a:extLst>
-        </p:spPr>
-      </p:pic>
       <p:sp>
         <p:nvSpPr>
           <p:cNvPr id="6" name="Text Placeholder 1">
@@ -10544,7 +10497,7 @@
         <p:spPr>
           <a:xfrm>
             <a:off x="437080" y="1059582"/>
-            <a:ext cx="3168352" cy="369332"/>
+            <a:ext cx="8311384" cy="2585323"/>
           </a:xfrm>
           <a:prstGeom prst="rect">
             <a:avLst/>
@@ -10571,8 +10524,110 @@
                 <a:latin typeface="Karla" panose="020B0604020202020204" charset="0"/>
                 <a:ea typeface="Karla" panose="020B0604020202020204" charset="0"/>
               </a:rPr>
-              <a:t>Costing</a:t>
+              <a:t>The quality management plan of identifying fake news will focus on the process and procedures for ensuring quality of the identifying fake news in terms of monitoring during the testing process</a:t>
             </a:r>
+          </a:p>
+          <a:p>
+            <a:pPr marL="285750" indent="-285750">
+              <a:buFont typeface="Arial" panose="020B0604020202020204" pitchFamily="34" charset="0"/>
+              <a:buChar char="•"/>
+            </a:pPr>
+            <a:endParaRPr lang="en-US" dirty="0">
+              <a:solidFill>
+                <a:schemeClr val="bg1">
+                  <a:lumMod val="65000"/>
+                </a:schemeClr>
+              </a:solidFill>
+              <a:latin typeface="Karla" panose="020B0604020202020204" charset="0"/>
+              <a:ea typeface="Karla" panose="020B0604020202020204" charset="0"/>
+            </a:endParaRPr>
+          </a:p>
+          <a:p>
+            <a:pPr marL="285750" indent="-285750">
+              <a:buFont typeface="Arial" panose="020B0604020202020204" pitchFamily="34" charset="0"/>
+              <a:buChar char="•"/>
+            </a:pPr>
+            <a:r>
+              <a:rPr lang="en-US" dirty="0">
+                <a:solidFill>
+                  <a:schemeClr val="bg1">
+                    <a:lumMod val="65000"/>
+                  </a:schemeClr>
+                </a:solidFill>
+                <a:latin typeface="Karla" panose="020B0604020202020204" charset="0"/>
+                <a:ea typeface="Karla" panose="020B0604020202020204" charset="0"/>
+              </a:rPr>
+              <a:t>The purpose of this plan to:</a:t>
+            </a:r>
+          </a:p>
+          <a:p>
+            <a:pPr marL="742950" lvl="1" indent="-285750">
+              <a:buFont typeface="Arial" panose="020B0604020202020204" pitchFamily="34" charset="0"/>
+              <a:buChar char="•"/>
+            </a:pPr>
+            <a:r>
+              <a:rPr lang="en-US" dirty="0">
+                <a:solidFill>
+                  <a:schemeClr val="bg1">
+                    <a:lumMod val="65000"/>
+                  </a:schemeClr>
+                </a:solidFill>
+                <a:latin typeface="Karla" panose="020B0604020202020204" charset="0"/>
+                <a:ea typeface="Karla" panose="020B0604020202020204" charset="0"/>
+              </a:rPr>
+              <a:t>Ensure high </a:t>
+            </a:r>
+            <a:r>
+              <a:rPr lang="en-US">
+                <a:solidFill>
+                  <a:schemeClr val="bg1">
+                    <a:lumMod val="65000"/>
+                  </a:schemeClr>
+                </a:solidFill>
+                <a:latin typeface="Karla" panose="020B0604020202020204" charset="0"/>
+                <a:ea typeface="Karla" panose="020B0604020202020204" charset="0"/>
+              </a:rPr>
+              <a:t>quality out the </a:t>
+            </a:r>
+            <a:r>
+              <a:rPr lang="en-US" dirty="0">
+                <a:solidFill>
+                  <a:schemeClr val="bg1">
+                    <a:lumMod val="65000"/>
+                  </a:schemeClr>
+                </a:solidFill>
+                <a:latin typeface="Karla" panose="020B0604020202020204" charset="0"/>
+                <a:ea typeface="Karla" panose="020B0604020202020204" charset="0"/>
+              </a:rPr>
+              <a:t>project</a:t>
+            </a:r>
+          </a:p>
+          <a:p>
+            <a:pPr lvl="1"/>
+            <a:r>
+              <a:rPr lang="en-US" dirty="0">
+                <a:solidFill>
+                  <a:schemeClr val="bg1">
+                    <a:lumMod val="65000"/>
+                  </a:schemeClr>
+                </a:solidFill>
+                <a:latin typeface="Karla" panose="020B0604020202020204" charset="0"/>
+                <a:ea typeface="Karla" panose="020B0604020202020204" charset="0"/>
+              </a:rPr>
+              <a:t>   	- To assure the quality of the extension there will be numerous types of testing that will be done by software testers</a:t>
+            </a:r>
+          </a:p>
+          <a:p>
+            <a:pPr lvl="1"/>
+            <a:endParaRPr lang="en-US" dirty="0">
+              <a:solidFill>
+                <a:schemeClr val="bg1">
+                  <a:lumMod val="65000"/>
+                </a:schemeClr>
+              </a:solidFill>
+              <a:latin typeface="Karla" panose="020B0604020202020204" charset="0"/>
+              <a:ea typeface="Karla" panose="020B0604020202020204" charset="0"/>
+            </a:endParaRPr>
           </a:p>
         </p:txBody>
       </p:sp>
